--- a/2023/postdoc_presentation/presentation.pptx
+++ b/2023/postdoc_presentation/presentation.pptx
@@ -4906,7 +4906,7 @@
             </a:pPr>
             <a:r>
               <a:rPr/>
-              <a:t>Applying for jobs</a:t>
+              <a:t>Applying for jobs – “Proactive Serendipity”</a:t>
             </a:r>
           </a:p>
         </p:txBody>
@@ -5453,7 +5453,7 @@
       </p:sp>
       <p:pic>
         <p:nvPicPr>
-          <p:cNvPr descr="presentation_files/figure-pptx/mermaid-figure-1.png" id="0" name="Picture 1"/>
+          <p:cNvPr descr="presentation_files\figure-pptx\mermaid-figure-1.png" id="0" name="Picture 1"/>
           <p:cNvPicPr>
             <a:picLocks noGrp="1" noChangeAspect="1"/>
           </p:cNvPicPr>
@@ -5467,8 +5467,8 @@
         </p:blipFill>
         <p:spPr bwMode="auto">
           <a:xfrm>
-            <a:off x="2006600" y="1193800"/>
-            <a:ext cx="5143500" cy="3390900"/>
+            <a:off x="2146300" y="1193800"/>
+            <a:ext cx="4864100" cy="3390900"/>
           </a:xfrm>
           <a:prstGeom prst="rect">
             <a:avLst/>
@@ -6105,7 +6105,7 @@
       </p:sp>
       <p:pic>
         <p:nvPicPr>
-          <p:cNvPr descr="fig:PhD Writing Process  http://www.phdcomics.com/comics/archive/phd072314s.gif" id="0" name="Picture 1"/>
+          <p:cNvPr descr="PhD Writing Process  http://www.phdcomics.com/comics/archive/phd072314s.gif" id="0" name="Picture 1"/>
           <p:cNvPicPr>
             <a:picLocks noGrp="1" noChangeAspect="1"/>
           </p:cNvPicPr>
@@ -6212,7 +6212,7 @@
       </p:sp>
       <p:pic>
         <p:nvPicPr>
-          <p:cNvPr descr="fig:PhD Writing Process  http://www.phdcomics.com/comics/archive/phd012903s.gif" id="0" name="Picture 1"/>
+          <p:cNvPr descr="PhD Writing Process  http://www.phdcomics.com/comics/archive/phd012903s.gif" id="0" name="Picture 1"/>
           <p:cNvPicPr>
             <a:picLocks noGrp="1" noChangeAspect="1"/>
           </p:cNvPicPr>

--- a/2023/postdoc_presentation/presentation.pptx
+++ b/2023/postdoc_presentation/presentation.pptx
@@ -3775,7 +3775,7 @@
             </a:pPr>
             <a:r>
               <a:rPr/>
-              <a:t>Applying for Postdoc Roles</a:t>
+              <a:t>What to expect when you’re expecting… the End of your PhD</a:t>
             </a:r>
           </a:p>
         </p:txBody>
@@ -4151,6 +4151,13 @@
               <a:t>Starting a new job</a:t>
             </a:r>
           </a:p>
+          <a:p>
+            <a:pPr lvl="0"/>
+            <a:r>
+              <a:rPr/>
+              <a:t>What is it like working as a Postdoc?</a:t>
+            </a:r>
+          </a:p>
         </p:txBody>
       </p:sp>
     </p:spTree>
@@ -4241,6 +4248,55 @@
                                           <p:spTgt spid="3">
                                             <p:txEl>
                                               <p:pRg st="1" end="1"/>
+                                            </p:txEl>
+                                          </p:spTgt>
+                                        </p:tgtEl>
+                                        <p:attrNameLst>
+                                          <p:attrName>style.visibility</p:attrName>
+                                        </p:attrNameLst>
+                                      </p:cBhvr>
+                                      <p:to>
+                                        <p:strVal val="visible"/>
+                                      </p:to>
+                                    </p:set>
+                                  </p:childTnLst>
+                                </p:cTn>
+                              </p:par>
+                            </p:childTnLst>
+                          </p:cTn>
+                        </p:par>
+                      </p:childTnLst>
+                    </p:cTn>
+                  </p:par>
+                  <p:par>
+                    <p:cTn id="11" fill="hold">
+                      <p:stCondLst>
+                        <p:cond delay="indefinite"/>
+                      </p:stCondLst>
+                      <p:childTnLst>
+                        <p:par>
+                          <p:cTn id="12" fill="hold">
+                            <p:stCondLst>
+                              <p:cond delay="0"/>
+                            </p:stCondLst>
+                            <p:childTnLst>
+                              <p:par>
+                                <p:cTn id="13" presetID="1" presetClass="entr" presetSubtype="0" fill="hold" grpId="0" nodeType="clickEffect">
+                                  <p:stCondLst>
+                                    <p:cond delay="0"/>
+                                  </p:stCondLst>
+                                  <p:childTnLst>
+                                    <p:set>
+                                      <p:cBhvr>
+                                        <p:cTn id="14" dur="1" fill="hold">
+                                          <p:stCondLst>
+                                            <p:cond delay="0"/>
+                                          </p:stCondLst>
+                                        </p:cTn>
+                                        <p:tgtEl>
+                                          <p:spTgt spid="3">
+                                            <p:txEl>
+                                              <p:pRg st="2" end="2"/>
                                             </p:txEl>
                                           </p:spTgt>
                                         </p:tgtEl>
@@ -4936,6 +4992,13 @@
             <a:pPr lvl="0"/>
             <a:r>
               <a:rPr/>
+              <a:t>Be ambitious</a:t>
+            </a:r>
+          </a:p>
+          <a:p>
+            <a:pPr lvl="0"/>
+            <a:r>
+              <a:rPr/>
               <a:t>Talk to supervisors</a:t>
             </a:r>
           </a:p>
@@ -4957,14 +5020,14 @@
             <a:pPr lvl="0"/>
             <a:r>
               <a:rPr/>
+              <a:t>Why do you want to do your job?</a:t>
+            </a:r>
+          </a:p>
+          <a:p>
+            <a:pPr lvl="0"/>
+            <a:r>
+              <a:rPr/>
               <a:t>Think about transferable skills</a:t>
-            </a:r>
-          </a:p>
-          <a:p>
-            <a:pPr lvl="0"/>
-            <a:r>
-              <a:rPr/>
-              <a:t>Be ambitious</a:t>
             </a:r>
           </a:p>
           <a:p>
@@ -5309,6 +5372,55 @@
                                           <p:spTgt spid="3">
                                             <p:txEl>
                                               <p:pRg st="6" end="6"/>
+                                            </p:txEl>
+                                          </p:spTgt>
+                                        </p:tgtEl>
+                                        <p:attrNameLst>
+                                          <p:attrName>style.visibility</p:attrName>
+                                        </p:attrNameLst>
+                                      </p:cBhvr>
+                                      <p:to>
+                                        <p:strVal val="visible"/>
+                                      </p:to>
+                                    </p:set>
+                                  </p:childTnLst>
+                                </p:cTn>
+                              </p:par>
+                            </p:childTnLst>
+                          </p:cTn>
+                        </p:par>
+                      </p:childTnLst>
+                    </p:cTn>
+                  </p:par>
+                  <p:par>
+                    <p:cTn id="31" fill="hold">
+                      <p:stCondLst>
+                        <p:cond delay="indefinite"/>
+                      </p:stCondLst>
+                      <p:childTnLst>
+                        <p:par>
+                          <p:cTn id="32" fill="hold">
+                            <p:stCondLst>
+                              <p:cond delay="0"/>
+                            </p:stCondLst>
+                            <p:childTnLst>
+                              <p:par>
+                                <p:cTn id="33" presetID="1" presetClass="entr" presetSubtype="0" fill="hold" grpId="0" nodeType="clickEffect">
+                                  <p:stCondLst>
+                                    <p:cond delay="0"/>
+                                  </p:stCondLst>
+                                  <p:childTnLst>
+                                    <p:set>
+                                      <p:cBhvr>
+                                        <p:cTn id="34" dur="1" fill="hold">
+                                          <p:stCondLst>
+                                            <p:cond delay="0"/>
+                                          </p:stCondLst>
+                                        </p:cTn>
+                                        <p:tgtEl>
+                                          <p:spTgt spid="3">
+                                            <p:txEl>
+                                              <p:pRg st="7" end="7"/>
                                             </p:txEl>
                                           </p:spTgt>
                                         </p:tgtEl>
